--- a/AnalyzerDemo/real life demo/Weekathon Presentation Template - blindphone.pptx
+++ b/AnalyzerDemo/real life demo/Weekathon Presentation Template - blindphone.pptx
@@ -5,13 +5,15 @@
     <p:sldMasterId id="2147483648" r:id="rId1"/>
   </p:sldMasterIdLst>
   <p:notesMasterIdLst>
-    <p:notesMasterId r:id="rId6"/>
+    <p:notesMasterId r:id="rId8"/>
   </p:notesMasterIdLst>
   <p:sldIdLst>
     <p:sldId id="256" r:id="rId2"/>
     <p:sldId id="272" r:id="rId3"/>
     <p:sldId id="273" r:id="rId4"/>
     <p:sldId id="274" r:id="rId5"/>
+    <p:sldId id="275" r:id="rId6"/>
+    <p:sldId id="276" r:id="rId7"/>
   </p:sldIdLst>
   <p:sldSz cx="9144000" cy="6858000" type="screen4x3"/>
   <p:notesSz cx="6858000" cy="9144000"/>
@@ -4046,7 +4048,15 @@
           <a:bodyPr/>
           <a:lstStyle/>
           <a:p>
-            <a:endParaRPr lang="en-US"/>
+            <a:r>
+              <a:rPr lang="en-US" smtClean="0"/>
+              <a:t>Put movie </a:t>
+            </a:r>
+            <a:r>
+              <a:rPr lang="en-US" dirty="0" smtClean="0"/>
+              <a:t>here</a:t>
+            </a:r>
+            <a:endParaRPr lang="en-US" dirty="0"/>
           </a:p>
         </p:txBody>
       </p:sp>
@@ -4060,6 +4070,1018 @@
   <p:clrMapOvr>
     <a:masterClrMapping/>
   </p:clrMapOvr>
+</p:sld>
+</file>
+
+<file path=ppt/slides/slide5.xml><?xml version="1.0" encoding="utf-8"?>
+<p:sld xmlns:a="http://schemas.openxmlformats.org/drawingml/2006/main" xmlns:r="http://schemas.openxmlformats.org/officeDocument/2006/relationships" xmlns:p="http://schemas.openxmlformats.org/presentationml/2006/main">
+  <p:cSld>
+    <p:spTree>
+      <p:nvGrpSpPr>
+        <p:cNvPr id="1" name=""/>
+        <p:cNvGrpSpPr/>
+        <p:nvPr/>
+      </p:nvGrpSpPr>
+      <p:grpSpPr>
+        <a:xfrm>
+          <a:off x="0" y="0"/>
+          <a:ext cx="0" cy="0"/>
+          <a:chOff x="0" y="0"/>
+          <a:chExt cx="0" cy="0"/>
+        </a:xfrm>
+      </p:grpSpPr>
+      <p:pic>
+        <p:nvPicPr>
+          <p:cNvPr id="4" name="Picture 3"/>
+          <p:cNvPicPr>
+            <a:picLocks noChangeAspect="1"/>
+          </p:cNvPicPr>
+          <p:nvPr/>
+        </p:nvPicPr>
+        <p:blipFill>
+          <a:blip r:embed="rId2" cstate="print">
+            <a:extLst>
+              <a:ext uri="{28A0092B-C50C-407E-A947-70E740481C1C}">
+                <a14:useLocalDpi xmlns:a14="http://schemas.microsoft.com/office/drawing/2010/main" val="0"/>
+              </a:ext>
+            </a:extLst>
+          </a:blip>
+          <a:stretch>
+            <a:fillRect/>
+          </a:stretch>
+        </p:blipFill>
+        <p:spPr>
+          <a:xfrm>
+            <a:off x="1102995" y="1892536"/>
+            <a:ext cx="1805940" cy="1743933"/>
+          </a:xfrm>
+          <a:prstGeom prst="rect">
+            <a:avLst/>
+          </a:prstGeom>
+        </p:spPr>
+      </p:pic>
+      <p:sp>
+        <p:nvSpPr>
+          <p:cNvPr id="5" name="TextBox 4"/>
+          <p:cNvSpPr txBox="1"/>
+          <p:nvPr/>
+        </p:nvSpPr>
+        <p:spPr>
+          <a:xfrm>
+            <a:off x="939449" y="1592454"/>
+            <a:ext cx="2205990" cy="323165"/>
+          </a:xfrm>
+          <a:prstGeom prst="rect">
+            <a:avLst/>
+          </a:prstGeom>
+          <a:noFill/>
+        </p:spPr>
+        <p:txBody>
+          <a:bodyPr wrap="square" rtlCol="0">
+            <a:spAutoFit/>
+          </a:bodyPr>
+          <a:lstStyle/>
+          <a:p>
+            <a:r>
+              <a:rPr lang="en-US" sz="1500" b="1" dirty="0">
+                <a:solidFill>
+                  <a:srgbClr val="0070C0"/>
+                </a:solidFill>
+              </a:rPr>
+              <a:t>Initial Traffic light Image </a:t>
+            </a:r>
+            <a:endParaRPr lang="en-US" sz="1500" b="1" dirty="0">
+              <a:solidFill>
+                <a:srgbClr val="0070C0"/>
+              </a:solidFill>
+            </a:endParaRPr>
+          </a:p>
+        </p:txBody>
+      </p:sp>
+      <p:sp>
+        <p:nvSpPr>
+          <p:cNvPr id="6" name="TextBox 5"/>
+          <p:cNvSpPr txBox="1"/>
+          <p:nvPr/>
+        </p:nvSpPr>
+        <p:spPr>
+          <a:xfrm>
+            <a:off x="3977639" y="1592454"/>
+            <a:ext cx="2686050" cy="323165"/>
+          </a:xfrm>
+          <a:prstGeom prst="rect">
+            <a:avLst/>
+          </a:prstGeom>
+          <a:noFill/>
+        </p:spPr>
+        <p:txBody>
+          <a:bodyPr wrap="square" rtlCol="0">
+            <a:spAutoFit/>
+          </a:bodyPr>
+          <a:lstStyle/>
+          <a:p>
+            <a:r>
+              <a:rPr lang="en-US" sz="1500" b="1" dirty="0">
+                <a:solidFill>
+                  <a:srgbClr val="0070C0"/>
+                </a:solidFill>
+              </a:rPr>
+              <a:t>Find </a:t>
+            </a:r>
+            <a:r>
+              <a:rPr lang="en-US" sz="1500" b="1" dirty="0">
+                <a:solidFill>
+                  <a:srgbClr val="C00000"/>
+                </a:solidFill>
+              </a:rPr>
+              <a:t>Red</a:t>
+            </a:r>
+            <a:r>
+              <a:rPr lang="en-US" sz="1500" b="1" dirty="0">
+                <a:solidFill>
+                  <a:srgbClr val="0070C0"/>
+                </a:solidFill>
+              </a:rPr>
+              <a:t> or </a:t>
+            </a:r>
+            <a:r>
+              <a:rPr lang="en-US" sz="1500" b="1" dirty="0">
+                <a:solidFill>
+                  <a:srgbClr val="00B050"/>
+                </a:solidFill>
+              </a:rPr>
+              <a:t>Green</a:t>
+            </a:r>
+            <a:r>
+              <a:rPr lang="en-US" sz="1500" b="1" dirty="0">
+                <a:solidFill>
+                  <a:srgbClr val="0070C0"/>
+                </a:solidFill>
+              </a:rPr>
+              <a:t> Color Ranges</a:t>
+            </a:r>
+            <a:endParaRPr lang="en-US" sz="1500" b="1" dirty="0">
+              <a:solidFill>
+                <a:srgbClr val="0070C0"/>
+              </a:solidFill>
+            </a:endParaRPr>
+          </a:p>
+        </p:txBody>
+      </p:sp>
+      <p:pic>
+        <p:nvPicPr>
+          <p:cNvPr id="7" name="Picture 6"/>
+          <p:cNvPicPr>
+            <a:picLocks noChangeAspect="1"/>
+          </p:cNvPicPr>
+          <p:nvPr/>
+        </p:nvPicPr>
+        <p:blipFill>
+          <a:blip r:embed="rId3" cstate="print">
+            <a:extLst>
+              <a:ext uri="{28A0092B-C50C-407E-A947-70E740481C1C}">
+                <a14:useLocalDpi xmlns:a14="http://schemas.microsoft.com/office/drawing/2010/main" val="0"/>
+              </a:ext>
+            </a:extLst>
+          </a:blip>
+          <a:stretch>
+            <a:fillRect/>
+          </a:stretch>
+        </p:blipFill>
+        <p:spPr>
+          <a:xfrm>
+            <a:off x="4246245" y="1892536"/>
+            <a:ext cx="2103149" cy="1743933"/>
+          </a:xfrm>
+          <a:prstGeom prst="rect">
+            <a:avLst/>
+          </a:prstGeom>
+        </p:spPr>
+      </p:pic>
+      <p:sp>
+        <p:nvSpPr>
+          <p:cNvPr id="12" name="TextBox 11"/>
+          <p:cNvSpPr txBox="1"/>
+          <p:nvPr/>
+        </p:nvSpPr>
+        <p:spPr>
+          <a:xfrm>
+            <a:off x="4849102" y="3943851"/>
+            <a:ext cx="1814588" cy="323165"/>
+          </a:xfrm>
+          <a:prstGeom prst="rect">
+            <a:avLst/>
+          </a:prstGeom>
+          <a:noFill/>
+        </p:spPr>
+        <p:txBody>
+          <a:bodyPr wrap="square" rtlCol="0">
+            <a:spAutoFit/>
+          </a:bodyPr>
+          <a:lstStyle/>
+          <a:p>
+            <a:r>
+              <a:rPr lang="en-US" sz="1500" b="1" dirty="0">
+                <a:solidFill>
+                  <a:srgbClr val="0070C0"/>
+                </a:solidFill>
+              </a:rPr>
+              <a:t>Dilate the Objects</a:t>
+            </a:r>
+            <a:endParaRPr lang="en-US" sz="1500" b="1" dirty="0">
+              <a:solidFill>
+                <a:srgbClr val="0070C0"/>
+              </a:solidFill>
+            </a:endParaRPr>
+          </a:p>
+        </p:txBody>
+      </p:sp>
+      <p:pic>
+        <p:nvPicPr>
+          <p:cNvPr id="13" name="Picture 12"/>
+          <p:cNvPicPr>
+            <a:picLocks noChangeAspect="1"/>
+          </p:cNvPicPr>
+          <p:nvPr/>
+        </p:nvPicPr>
+        <p:blipFill>
+          <a:blip r:embed="rId4" cstate="print">
+            <a:extLst>
+              <a:ext uri="{28A0092B-C50C-407E-A947-70E740481C1C}">
+                <a14:useLocalDpi xmlns:a14="http://schemas.microsoft.com/office/drawing/2010/main" val="0"/>
+              </a:ext>
+            </a:extLst>
+          </a:blip>
+          <a:stretch>
+            <a:fillRect/>
+          </a:stretch>
+        </p:blipFill>
+        <p:spPr>
+          <a:xfrm>
+            <a:off x="4576918" y="4243933"/>
+            <a:ext cx="1772476" cy="1665377"/>
+          </a:xfrm>
+          <a:prstGeom prst="rect">
+            <a:avLst/>
+          </a:prstGeom>
+        </p:spPr>
+      </p:pic>
+      <p:sp>
+        <p:nvSpPr>
+          <p:cNvPr id="14" name="TextBox 13"/>
+          <p:cNvSpPr txBox="1"/>
+          <p:nvPr/>
+        </p:nvSpPr>
+        <p:spPr>
+          <a:xfrm>
+            <a:off x="902971" y="3943850"/>
+            <a:ext cx="2676197" cy="323165"/>
+          </a:xfrm>
+          <a:prstGeom prst="rect">
+            <a:avLst/>
+          </a:prstGeom>
+          <a:noFill/>
+        </p:spPr>
+        <p:txBody>
+          <a:bodyPr wrap="square" rtlCol="0">
+            <a:spAutoFit/>
+          </a:bodyPr>
+          <a:lstStyle/>
+          <a:p>
+            <a:r>
+              <a:rPr lang="en-US" sz="1500" b="1" dirty="0">
+                <a:solidFill>
+                  <a:srgbClr val="0070C0"/>
+                </a:solidFill>
+              </a:rPr>
+              <a:t>Group Adjacent Objects</a:t>
+            </a:r>
+            <a:endParaRPr lang="en-US" sz="1500" b="1" dirty="0">
+              <a:solidFill>
+                <a:srgbClr val="0070C0"/>
+              </a:solidFill>
+            </a:endParaRPr>
+          </a:p>
+        </p:txBody>
+      </p:sp>
+      <p:pic>
+        <p:nvPicPr>
+          <p:cNvPr id="15" name="Picture 14"/>
+          <p:cNvPicPr>
+            <a:picLocks noChangeAspect="1"/>
+          </p:cNvPicPr>
+          <p:nvPr/>
+        </p:nvPicPr>
+        <p:blipFill>
+          <a:blip r:embed="rId5" cstate="print">
+            <a:extLst>
+              <a:ext uri="{28A0092B-C50C-407E-A947-70E740481C1C}">
+                <a14:useLocalDpi xmlns:a14="http://schemas.microsoft.com/office/drawing/2010/main" val="0"/>
+              </a:ext>
+            </a:extLst>
+          </a:blip>
+          <a:stretch>
+            <a:fillRect/>
+          </a:stretch>
+        </p:blipFill>
+        <p:spPr>
+          <a:xfrm>
+            <a:off x="1078770" y="4243933"/>
+            <a:ext cx="1927347" cy="1665377"/>
+          </a:xfrm>
+          <a:prstGeom prst="rect">
+            <a:avLst/>
+          </a:prstGeom>
+        </p:spPr>
+      </p:pic>
+      <p:sp>
+        <p:nvSpPr>
+          <p:cNvPr id="16" name="Curved Left Arrow 15"/>
+          <p:cNvSpPr/>
+          <p:nvPr/>
+        </p:nvSpPr>
+        <p:spPr>
+          <a:xfrm>
+            <a:off x="7006590" y="2891790"/>
+            <a:ext cx="880110" cy="2023110"/>
+          </a:xfrm>
+          <a:prstGeom prst="curvedLeftArrow">
+            <a:avLst/>
+          </a:prstGeom>
+        </p:spPr>
+        <p:style>
+          <a:lnRef idx="2">
+            <a:schemeClr val="accent1">
+              <a:shade val="50000"/>
+            </a:schemeClr>
+          </a:lnRef>
+          <a:fillRef idx="1">
+            <a:schemeClr val="accent1"/>
+          </a:fillRef>
+          <a:effectRef idx="0">
+            <a:schemeClr val="accent1"/>
+          </a:effectRef>
+          <a:fontRef idx="minor">
+            <a:schemeClr val="lt1"/>
+          </a:fontRef>
+        </p:style>
+        <p:txBody>
+          <a:bodyPr rtlCol="0" anchor="ctr"/>
+          <a:lstStyle/>
+          <a:p>
+            <a:pPr algn="ctr"/>
+            <a:endParaRPr lang="en-US" sz="1350">
+              <a:solidFill>
+                <a:schemeClr val="tx1"/>
+              </a:solidFill>
+            </a:endParaRPr>
+          </a:p>
+        </p:txBody>
+      </p:sp>
+      <p:sp>
+        <p:nvSpPr>
+          <p:cNvPr id="17" name="Right Arrow 16"/>
+          <p:cNvSpPr/>
+          <p:nvPr/>
+        </p:nvSpPr>
+        <p:spPr>
+          <a:xfrm>
+            <a:off x="3219122" y="2593053"/>
+            <a:ext cx="790619" cy="298738"/>
+          </a:xfrm>
+          <a:prstGeom prst="rightArrow">
+            <a:avLst/>
+          </a:prstGeom>
+        </p:spPr>
+        <p:style>
+          <a:lnRef idx="2">
+            <a:schemeClr val="accent1">
+              <a:shade val="50000"/>
+            </a:schemeClr>
+          </a:lnRef>
+          <a:fillRef idx="1">
+            <a:schemeClr val="accent1"/>
+          </a:fillRef>
+          <a:effectRef idx="0">
+            <a:schemeClr val="accent1"/>
+          </a:effectRef>
+          <a:fontRef idx="minor">
+            <a:schemeClr val="lt1"/>
+          </a:fontRef>
+        </p:style>
+        <p:txBody>
+          <a:bodyPr rtlCol="0" anchor="ctr"/>
+          <a:lstStyle/>
+          <a:p>
+            <a:pPr algn="ctr"/>
+            <a:endParaRPr lang="en-US" sz="1350"/>
+          </a:p>
+        </p:txBody>
+      </p:sp>
+      <p:sp>
+        <p:nvSpPr>
+          <p:cNvPr id="18" name="Right Arrow 17"/>
+          <p:cNvSpPr/>
+          <p:nvPr/>
+        </p:nvSpPr>
+        <p:spPr>
+          <a:xfrm rot="10800000">
+            <a:off x="3349018" y="4765531"/>
+            <a:ext cx="790619" cy="298738"/>
+          </a:xfrm>
+          <a:prstGeom prst="rightArrow">
+            <a:avLst/>
+          </a:prstGeom>
+        </p:spPr>
+        <p:style>
+          <a:lnRef idx="2">
+            <a:schemeClr val="accent1">
+              <a:shade val="50000"/>
+            </a:schemeClr>
+          </a:lnRef>
+          <a:fillRef idx="1">
+            <a:schemeClr val="accent1"/>
+          </a:fillRef>
+          <a:effectRef idx="0">
+            <a:schemeClr val="accent1"/>
+          </a:effectRef>
+          <a:fontRef idx="minor">
+            <a:schemeClr val="lt1"/>
+          </a:fontRef>
+        </p:style>
+        <p:txBody>
+          <a:bodyPr rtlCol="0" anchor="ctr"/>
+          <a:lstStyle/>
+          <a:p>
+            <a:pPr algn="ctr"/>
+            <a:endParaRPr lang="en-US" sz="1350"/>
+          </a:p>
+        </p:txBody>
+      </p:sp>
+      <p:sp>
+        <p:nvSpPr>
+          <p:cNvPr id="19" name="TextBox 18"/>
+          <p:cNvSpPr txBox="1"/>
+          <p:nvPr/>
+        </p:nvSpPr>
+        <p:spPr>
+          <a:xfrm>
+            <a:off x="242218" y="992288"/>
+            <a:ext cx="8558882" cy="553998"/>
+          </a:xfrm>
+          <a:prstGeom prst="rect">
+            <a:avLst/>
+          </a:prstGeom>
+          <a:noFill/>
+        </p:spPr>
+        <p:txBody>
+          <a:bodyPr wrap="square" rtlCol="0">
+            <a:spAutoFit/>
+          </a:bodyPr>
+          <a:lstStyle/>
+          <a:p>
+            <a:r>
+              <a:rPr lang="en-US" sz="3000" b="1" dirty="0">
+                <a:solidFill>
+                  <a:srgbClr val="002060"/>
+                </a:solidFill>
+              </a:rPr>
+              <a:t>Image Processing Algorithm – Work Flow</a:t>
+            </a:r>
+            <a:endParaRPr lang="en-US" sz="3000" b="1" dirty="0">
+              <a:solidFill>
+                <a:srgbClr val="002060"/>
+              </a:solidFill>
+            </a:endParaRPr>
+          </a:p>
+        </p:txBody>
+      </p:sp>
+      <p:pic>
+        <p:nvPicPr>
+          <p:cNvPr id="20" name="Picture 19" descr="weekathon forum-01.jpg"/>
+          <p:cNvPicPr>
+            <a:picLocks noChangeAspect="1"/>
+          </p:cNvPicPr>
+          <p:nvPr/>
+        </p:nvPicPr>
+        <p:blipFill>
+          <a:blip r:embed="rId6" cstate="print"/>
+          <a:stretch>
+            <a:fillRect/>
+          </a:stretch>
+        </p:blipFill>
+        <p:spPr>
+          <a:xfrm>
+            <a:off x="7321684" y="856443"/>
+            <a:ext cx="1823708" cy="1728192"/>
+          </a:xfrm>
+          <a:prstGeom prst="rect">
+            <a:avLst/>
+          </a:prstGeom>
+        </p:spPr>
+      </p:pic>
+    </p:spTree>
+    <p:extLst>
+      <p:ext uri="{BB962C8B-B14F-4D97-AF65-F5344CB8AC3E}">
+        <p14:creationId xmlns:p14="http://schemas.microsoft.com/office/powerpoint/2010/main" val="3197605806"/>
+      </p:ext>
+    </p:extLst>
+  </p:cSld>
+  <p:clrMapOvr>
+    <a:masterClrMapping/>
+  </p:clrMapOvr>
+  <p:timing>
+    <p:tnLst>
+      <p:par>
+        <p:cTn id="1" dur="indefinite" restart="never" nodeType="tmRoot"/>
+      </p:par>
+    </p:tnLst>
+  </p:timing>
+</p:sld>
+</file>
+
+<file path=ppt/slides/slide6.xml><?xml version="1.0" encoding="utf-8"?>
+<p:sld xmlns:a="http://schemas.openxmlformats.org/drawingml/2006/main" xmlns:r="http://schemas.openxmlformats.org/officeDocument/2006/relationships" xmlns:p="http://schemas.openxmlformats.org/presentationml/2006/main">
+  <p:cSld>
+    <p:spTree>
+      <p:nvGrpSpPr>
+        <p:cNvPr id="1" name=""/>
+        <p:cNvGrpSpPr/>
+        <p:nvPr/>
+      </p:nvGrpSpPr>
+      <p:grpSpPr>
+        <a:xfrm>
+          <a:off x="0" y="0"/>
+          <a:ext cx="0" cy="0"/>
+          <a:chOff x="0" y="0"/>
+          <a:chExt cx="0" cy="0"/>
+        </a:xfrm>
+      </p:grpSpPr>
+      <p:sp>
+        <p:nvSpPr>
+          <p:cNvPr id="19" name="TextBox 18"/>
+          <p:cNvSpPr txBox="1"/>
+          <p:nvPr/>
+        </p:nvSpPr>
+        <p:spPr>
+          <a:xfrm>
+            <a:off x="242218" y="992288"/>
+            <a:ext cx="8558882" cy="553998"/>
+          </a:xfrm>
+          <a:prstGeom prst="rect">
+            <a:avLst/>
+          </a:prstGeom>
+          <a:noFill/>
+        </p:spPr>
+        <p:txBody>
+          <a:bodyPr wrap="square" rtlCol="0">
+            <a:spAutoFit/>
+          </a:bodyPr>
+          <a:lstStyle/>
+          <a:p>
+            <a:r>
+              <a:rPr lang="en-US" sz="3000" b="1" dirty="0">
+                <a:solidFill>
+                  <a:srgbClr val="002060"/>
+                </a:solidFill>
+              </a:rPr>
+              <a:t>Image Processing Algorithm – Color Ranges</a:t>
+            </a:r>
+            <a:endParaRPr lang="en-US" sz="3000" b="1" dirty="0">
+              <a:solidFill>
+                <a:srgbClr val="002060"/>
+              </a:solidFill>
+            </a:endParaRPr>
+          </a:p>
+        </p:txBody>
+      </p:sp>
+      <p:pic>
+        <p:nvPicPr>
+          <p:cNvPr id="2" name="Picture 1"/>
+          <p:cNvPicPr>
+            <a:picLocks noChangeAspect="1"/>
+          </p:cNvPicPr>
+          <p:nvPr/>
+        </p:nvPicPr>
+        <p:blipFill>
+          <a:blip r:embed="rId2">
+            <a:extLst>
+              <a:ext uri="{28A0092B-C50C-407E-A947-70E740481C1C}">
+                <a14:useLocalDpi xmlns:a14="http://schemas.microsoft.com/office/drawing/2010/main" val="0"/>
+              </a:ext>
+            </a:extLst>
+          </a:blip>
+          <a:stretch>
+            <a:fillRect/>
+          </a:stretch>
+        </p:blipFill>
+        <p:spPr>
+          <a:xfrm>
+            <a:off x="572631" y="1795549"/>
+            <a:ext cx="543221" cy="622076"/>
+          </a:xfrm>
+          <a:prstGeom prst="rect">
+            <a:avLst/>
+          </a:prstGeom>
+        </p:spPr>
+      </p:pic>
+      <p:pic>
+        <p:nvPicPr>
+          <p:cNvPr id="3" name="Picture 2"/>
+          <p:cNvPicPr>
+            <a:picLocks noChangeAspect="1"/>
+          </p:cNvPicPr>
+          <p:nvPr/>
+        </p:nvPicPr>
+        <p:blipFill>
+          <a:blip r:embed="rId3">
+            <a:extLst>
+              <a:ext uri="{28A0092B-C50C-407E-A947-70E740481C1C}">
+                <a14:useLocalDpi xmlns:a14="http://schemas.microsoft.com/office/drawing/2010/main" val="0"/>
+              </a:ext>
+            </a:extLst>
+          </a:blip>
+          <a:stretch>
+            <a:fillRect/>
+          </a:stretch>
+        </p:blipFill>
+        <p:spPr>
+          <a:xfrm>
+            <a:off x="1734501" y="1795549"/>
+            <a:ext cx="587218" cy="611685"/>
+          </a:xfrm>
+          <a:prstGeom prst="rect">
+            <a:avLst/>
+          </a:prstGeom>
+        </p:spPr>
+      </p:pic>
+      <p:pic>
+        <p:nvPicPr>
+          <p:cNvPr id="8" name="Picture 7"/>
+          <p:cNvPicPr>
+            <a:picLocks noChangeAspect="1"/>
+          </p:cNvPicPr>
+          <p:nvPr/>
+        </p:nvPicPr>
+        <p:blipFill>
+          <a:blip r:embed="rId4">
+            <a:extLst>
+              <a:ext uri="{28A0092B-C50C-407E-A947-70E740481C1C}">
+                <a14:useLocalDpi xmlns:a14="http://schemas.microsoft.com/office/drawing/2010/main" val="0"/>
+              </a:ext>
+            </a:extLst>
+          </a:blip>
+          <a:stretch>
+            <a:fillRect/>
+          </a:stretch>
+        </p:blipFill>
+        <p:spPr>
+          <a:xfrm>
+            <a:off x="2940368" y="1831657"/>
+            <a:ext cx="571500" cy="585968"/>
+          </a:xfrm>
+          <a:prstGeom prst="rect">
+            <a:avLst/>
+          </a:prstGeom>
+        </p:spPr>
+      </p:pic>
+      <p:pic>
+        <p:nvPicPr>
+          <p:cNvPr id="9" name="Picture 8"/>
+          <p:cNvPicPr>
+            <a:picLocks noChangeAspect="1"/>
+          </p:cNvPicPr>
+          <p:nvPr/>
+        </p:nvPicPr>
+        <p:blipFill>
+          <a:blip r:embed="rId5">
+            <a:extLst>
+              <a:ext uri="{28A0092B-C50C-407E-A947-70E740481C1C}">
+                <a14:useLocalDpi xmlns:a14="http://schemas.microsoft.com/office/drawing/2010/main" val="0"/>
+              </a:ext>
+            </a:extLst>
+          </a:blip>
+          <a:stretch>
+            <a:fillRect/>
+          </a:stretch>
+        </p:blipFill>
+        <p:spPr>
+          <a:xfrm>
+            <a:off x="572630" y="2983229"/>
+            <a:ext cx="585767" cy="629481"/>
+          </a:xfrm>
+          <a:prstGeom prst="rect">
+            <a:avLst/>
+          </a:prstGeom>
+        </p:spPr>
+      </p:pic>
+      <p:pic>
+        <p:nvPicPr>
+          <p:cNvPr id="10" name="Picture 9"/>
+          <p:cNvPicPr>
+            <a:picLocks noChangeAspect="1"/>
+          </p:cNvPicPr>
+          <p:nvPr/>
+        </p:nvPicPr>
+        <p:blipFill>
+          <a:blip r:embed="rId6">
+            <a:extLst>
+              <a:ext uri="{28A0092B-C50C-407E-A947-70E740481C1C}">
+                <a14:useLocalDpi xmlns:a14="http://schemas.microsoft.com/office/drawing/2010/main" val="0"/>
+              </a:ext>
+            </a:extLst>
+          </a:blip>
+          <a:stretch>
+            <a:fillRect/>
+          </a:stretch>
+        </p:blipFill>
+        <p:spPr>
+          <a:xfrm>
+            <a:off x="1428036" y="2972749"/>
+            <a:ext cx="457915" cy="610553"/>
+          </a:xfrm>
+          <a:prstGeom prst="rect">
+            <a:avLst/>
+          </a:prstGeom>
+        </p:spPr>
+      </p:pic>
+      <p:pic>
+        <p:nvPicPr>
+          <p:cNvPr id="11" name="Picture 10"/>
+          <p:cNvPicPr>
+            <a:picLocks noChangeAspect="1"/>
+          </p:cNvPicPr>
+          <p:nvPr/>
+        </p:nvPicPr>
+        <p:blipFill>
+          <a:blip r:embed="rId7">
+            <a:extLst>
+              <a:ext uri="{28A0092B-C50C-407E-A947-70E740481C1C}">
+                <a14:useLocalDpi xmlns:a14="http://schemas.microsoft.com/office/drawing/2010/main" val="0"/>
+              </a:ext>
+            </a:extLst>
+          </a:blip>
+          <a:stretch>
+            <a:fillRect/>
+          </a:stretch>
+        </p:blipFill>
+        <p:spPr>
+          <a:xfrm>
+            <a:off x="2202421" y="2983230"/>
+            <a:ext cx="575069" cy="600071"/>
+          </a:xfrm>
+          <a:prstGeom prst="rect">
+            <a:avLst/>
+          </a:prstGeom>
+        </p:spPr>
+      </p:pic>
+      <p:pic>
+        <p:nvPicPr>
+          <p:cNvPr id="20" name="Picture 19"/>
+          <p:cNvPicPr>
+            <a:picLocks noChangeAspect="1"/>
+          </p:cNvPicPr>
+          <p:nvPr/>
+        </p:nvPicPr>
+        <p:blipFill>
+          <a:blip r:embed="rId8">
+            <a:extLst>
+              <a:ext uri="{28A0092B-C50C-407E-A947-70E740481C1C}">
+                <a14:useLocalDpi xmlns:a14="http://schemas.microsoft.com/office/drawing/2010/main" val="0"/>
+              </a:ext>
+            </a:extLst>
+          </a:blip>
+          <a:stretch>
+            <a:fillRect/>
+          </a:stretch>
+        </p:blipFill>
+        <p:spPr>
+          <a:xfrm>
+            <a:off x="2993625" y="2983229"/>
+            <a:ext cx="518243" cy="600071"/>
+          </a:xfrm>
+          <a:prstGeom prst="rect">
+            <a:avLst/>
+          </a:prstGeom>
+        </p:spPr>
+      </p:pic>
+      <p:sp>
+        <p:nvSpPr>
+          <p:cNvPr id="21" name="TextBox 20"/>
+          <p:cNvSpPr txBox="1"/>
+          <p:nvPr/>
+        </p:nvSpPr>
+        <p:spPr>
+          <a:xfrm>
+            <a:off x="3885164" y="1823084"/>
+            <a:ext cx="2396012" cy="1708160"/>
+          </a:xfrm>
+          <a:prstGeom prst="rect">
+            <a:avLst/>
+          </a:prstGeom>
+          <a:noFill/>
+        </p:spPr>
+        <p:txBody>
+          <a:bodyPr wrap="square" rtlCol="0">
+            <a:spAutoFit/>
+          </a:bodyPr>
+          <a:lstStyle/>
+          <a:p>
+            <a:r>
+              <a:rPr lang="en-US" sz="1500" b="1" dirty="0">
+                <a:solidFill>
+                  <a:srgbClr val="0070C0"/>
+                </a:solidFill>
+              </a:rPr>
+              <a:t>RGB Color Range varies, mainly due to Day Light and Shading</a:t>
+            </a:r>
+          </a:p>
+          <a:p>
+            <a:endParaRPr lang="en-US" sz="1500" b="1" dirty="0">
+              <a:solidFill>
+                <a:srgbClr val="0070C0"/>
+              </a:solidFill>
+            </a:endParaRPr>
+          </a:p>
+          <a:p>
+            <a:r>
+              <a:rPr lang="en-US" sz="1500" b="1" dirty="0">
+                <a:solidFill>
+                  <a:srgbClr val="0070C0"/>
+                </a:solidFill>
+              </a:rPr>
+              <a:t>Requires to expand Red and Green Color Ranges to search in the image</a:t>
+            </a:r>
+            <a:endParaRPr lang="en-US" sz="1500" b="1" dirty="0">
+              <a:solidFill>
+                <a:srgbClr val="0070C0"/>
+              </a:solidFill>
+            </a:endParaRPr>
+          </a:p>
+        </p:txBody>
+      </p:sp>
+      <p:pic>
+        <p:nvPicPr>
+          <p:cNvPr id="22" name="Picture 21"/>
+          <p:cNvPicPr>
+            <a:picLocks noChangeAspect="1"/>
+          </p:cNvPicPr>
+          <p:nvPr/>
+        </p:nvPicPr>
+        <p:blipFill>
+          <a:blip r:embed="rId9">
+            <a:extLst>
+              <a:ext uri="{28A0092B-C50C-407E-A947-70E740481C1C}">
+                <a14:useLocalDpi xmlns:a14="http://schemas.microsoft.com/office/drawing/2010/main" val="0"/>
+              </a:ext>
+            </a:extLst>
+          </a:blip>
+          <a:stretch>
+            <a:fillRect/>
+          </a:stretch>
+        </p:blipFill>
+        <p:spPr>
+          <a:xfrm>
+            <a:off x="2609289" y="3877652"/>
+            <a:ext cx="2826389" cy="1947857"/>
+          </a:xfrm>
+          <a:prstGeom prst="rect">
+            <a:avLst/>
+          </a:prstGeom>
+        </p:spPr>
+      </p:pic>
+      <p:sp>
+        <p:nvSpPr>
+          <p:cNvPr id="23" name="TextBox 22"/>
+          <p:cNvSpPr txBox="1"/>
+          <p:nvPr/>
+        </p:nvSpPr>
+        <p:spPr>
+          <a:xfrm>
+            <a:off x="381478" y="4421141"/>
+            <a:ext cx="2396012" cy="1477328"/>
+          </a:xfrm>
+          <a:prstGeom prst="rect">
+            <a:avLst/>
+          </a:prstGeom>
+          <a:noFill/>
+        </p:spPr>
+        <p:txBody>
+          <a:bodyPr wrap="square" rtlCol="0">
+            <a:spAutoFit/>
+          </a:bodyPr>
+          <a:lstStyle/>
+          <a:p>
+            <a:r>
+              <a:rPr lang="en-US" sz="1500" b="1" dirty="0">
+                <a:solidFill>
+                  <a:srgbClr val="0070C0"/>
+                </a:solidFill>
+              </a:rPr>
+              <a:t>Leads to finding other objects that fall into the searched range.</a:t>
+            </a:r>
+          </a:p>
+          <a:p>
+            <a:r>
+              <a:rPr lang="en-US" sz="1500" b="1" dirty="0">
+                <a:solidFill>
+                  <a:srgbClr val="0070C0"/>
+                </a:solidFill>
+              </a:rPr>
+              <a:t>Sometimes, even sky.</a:t>
+            </a:r>
+          </a:p>
+          <a:p>
+            <a:pPr marL="257175" indent="-257175">
+              <a:buFont typeface="Arial" panose="020B0604020202020204" pitchFamily="34" charset="0"/>
+              <a:buChar char="•"/>
+            </a:pPr>
+            <a:endParaRPr lang="en-US" sz="1500" b="1" dirty="0">
+              <a:solidFill>
+                <a:srgbClr val="0070C0"/>
+              </a:solidFill>
+            </a:endParaRPr>
+          </a:p>
+          <a:p>
+            <a:endParaRPr lang="en-US" sz="1500" b="1" dirty="0">
+              <a:solidFill>
+                <a:srgbClr val="0070C0"/>
+              </a:solidFill>
+            </a:endParaRPr>
+          </a:p>
+        </p:txBody>
+      </p:sp>
+      <p:pic>
+        <p:nvPicPr>
+          <p:cNvPr id="24" name="Picture 23"/>
+          <p:cNvPicPr>
+            <a:picLocks noChangeAspect="1"/>
+          </p:cNvPicPr>
+          <p:nvPr/>
+        </p:nvPicPr>
+        <p:blipFill>
+          <a:blip r:embed="rId10">
+            <a:extLst>
+              <a:ext uri="{28A0092B-C50C-407E-A947-70E740481C1C}">
+                <a14:useLocalDpi xmlns:a14="http://schemas.microsoft.com/office/drawing/2010/main" val="0"/>
+              </a:ext>
+            </a:extLst>
+          </a:blip>
+          <a:stretch>
+            <a:fillRect/>
+          </a:stretch>
+        </p:blipFill>
+        <p:spPr>
+          <a:xfrm>
+            <a:off x="5819296" y="3877651"/>
+            <a:ext cx="2844644" cy="1948964"/>
+          </a:xfrm>
+          <a:prstGeom prst="rect">
+            <a:avLst/>
+          </a:prstGeom>
+        </p:spPr>
+      </p:pic>
+      <p:pic>
+        <p:nvPicPr>
+          <p:cNvPr id="25" name="Picture 24" descr="weekathon forum-01.jpg"/>
+          <p:cNvPicPr>
+            <a:picLocks noChangeAspect="1"/>
+          </p:cNvPicPr>
+          <p:nvPr/>
+        </p:nvPicPr>
+        <p:blipFill>
+          <a:blip r:embed="rId11" cstate="print"/>
+          <a:stretch>
+            <a:fillRect/>
+          </a:stretch>
+        </p:blipFill>
+        <p:spPr>
+          <a:xfrm>
+            <a:off x="7321684" y="856443"/>
+            <a:ext cx="1823708" cy="1728192"/>
+          </a:xfrm>
+          <a:prstGeom prst="rect">
+            <a:avLst/>
+          </a:prstGeom>
+        </p:spPr>
+      </p:pic>
+    </p:spTree>
+    <p:extLst>
+      <p:ext uri="{BB962C8B-B14F-4D97-AF65-F5344CB8AC3E}">
+        <p14:creationId xmlns:p14="http://schemas.microsoft.com/office/powerpoint/2010/main" val="550548338"/>
+      </p:ext>
+    </p:extLst>
+  </p:cSld>
+  <p:clrMapOvr>
+    <a:masterClrMapping/>
+  </p:clrMapOvr>
+  <p:timing>
+    <p:tnLst>
+      <p:par>
+        <p:cTn id="1" dur="indefinite" restart="never" nodeType="tmRoot"/>
+      </p:par>
+    </p:tnLst>
+  </p:timing>
 </p:sld>
 </file>
 

--- a/AnalyzerDemo/real life demo/Weekathon Presentation Template - blindphone.pptx
+++ b/AnalyzerDemo/real life demo/Weekathon Presentation Template - blindphone.pptx
@@ -3990,6 +3990,13 @@
   <p:clrMapOvr>
     <a:masterClrMapping/>
   </p:clrMapOvr>
+  <p:timing>
+    <p:tnLst>
+      <p:par>
+        <p:cTn id="1" dur="indefinite" restart="never" nodeType="tmRoot"/>
+      </p:par>
+    </p:tnLst>
+  </p:timing>
 </p:sld>
 </file>
 
@@ -4070,6 +4077,13 @@
   <p:clrMapOvr>
     <a:masterClrMapping/>
   </p:clrMapOvr>
+  <p:timing>
+    <p:tnLst>
+      <p:par>
+        <p:cTn id="1" dur="indefinite" restart="never" nodeType="tmRoot"/>
+      </p:par>
+    </p:tnLst>
+  </p:timing>
 </p:sld>
 </file>
 
@@ -4142,6 +4156,7 @@
           </a:bodyPr>
           <a:lstStyle/>
           <a:p>
+            <a:pPr algn="l"/>
             <a:r>
               <a:rPr lang="en-US" sz="1500" b="1" dirty="0">
                 <a:solidFill>
@@ -4150,11 +4165,6 @@
               </a:rPr>
               <a:t>Initial Traffic light Image </a:t>
             </a:r>
-            <a:endParaRPr lang="en-US" sz="1500" b="1" dirty="0">
-              <a:solidFill>
-                <a:srgbClr val="0070C0"/>
-              </a:solidFill>
-            </a:endParaRPr>
           </a:p>
         </p:txBody>
       </p:sp>
@@ -4180,6 +4190,7 @@
           </a:bodyPr>
           <a:lstStyle/>
           <a:p>
+            <a:pPr algn="l"/>
             <a:r>
               <a:rPr lang="en-US" sz="1500" b="1" dirty="0">
                 <a:solidFill>
@@ -4220,11 +4231,6 @@
               </a:rPr>
               <a:t> Color Ranges</a:t>
             </a:r>
-            <a:endParaRPr lang="en-US" sz="1500" b="1" dirty="0">
-              <a:solidFill>
-                <a:srgbClr val="0070C0"/>
-              </a:solidFill>
-            </a:endParaRPr>
           </a:p>
         </p:txBody>
       </p:sp>
@@ -4266,7 +4272,7 @@
         </p:nvSpPr>
         <p:spPr>
           <a:xfrm>
-            <a:off x="4849102" y="3943851"/>
+            <a:off x="4521659" y="3943850"/>
             <a:ext cx="1814588" cy="323165"/>
           </a:xfrm>
           <a:prstGeom prst="rect">
@@ -4280,6 +4286,7 @@
           </a:bodyPr>
           <a:lstStyle/>
           <a:p>
+            <a:pPr algn="l"/>
             <a:r>
               <a:rPr lang="en-US" sz="1500" b="1" dirty="0">
                 <a:solidFill>
@@ -4288,11 +4295,6 @@
               </a:rPr>
               <a:t>Dilate the Objects</a:t>
             </a:r>
-            <a:endParaRPr lang="en-US" sz="1500" b="1" dirty="0">
-              <a:solidFill>
-                <a:srgbClr val="0070C0"/>
-              </a:solidFill>
-            </a:endParaRPr>
           </a:p>
         </p:txBody>
       </p:sp>
@@ -4348,6 +4350,7 @@
           </a:bodyPr>
           <a:lstStyle/>
           <a:p>
+            <a:pPr algn="l"/>
             <a:r>
               <a:rPr lang="en-US" sz="1500" b="1" dirty="0">
                 <a:solidFill>
@@ -4356,11 +4359,6 @@
               </a:rPr>
               <a:t>Group Adjacent Objects</a:t>
             </a:r>
-            <a:endParaRPr lang="en-US" sz="1500" b="1" dirty="0">
-              <a:solidFill>
-                <a:srgbClr val="0070C0"/>
-              </a:solidFill>
-            </a:endParaRPr>
           </a:p>
         </p:txBody>
       </p:sp>
@@ -4526,8 +4524,8 @@
         </p:nvSpPr>
         <p:spPr>
           <a:xfrm>
-            <a:off x="242218" y="992288"/>
-            <a:ext cx="8558882" cy="553998"/>
+            <a:off x="242218" y="188640"/>
+            <a:ext cx="6994078" cy="553998"/>
           </a:xfrm>
           <a:prstGeom prst="rect">
             <a:avLst/>
@@ -4540,6 +4538,7 @@
           </a:bodyPr>
           <a:lstStyle/>
           <a:p>
+            <a:pPr algn="l"/>
             <a:r>
               <a:rPr lang="en-US" sz="3000" b="1" dirty="0">
                 <a:solidFill>
@@ -4548,11 +4547,6 @@
               </a:rPr>
               <a:t>Image Processing Algorithm – Work Flow</a:t>
             </a:r>
-            <a:endParaRPr lang="en-US" sz="3000" b="1" dirty="0">
-              <a:solidFill>
-                <a:srgbClr val="002060"/>
-              </a:solidFill>
-            </a:endParaRPr>
           </a:p>
         </p:txBody>
       </p:sp>
@@ -4572,7 +4566,7 @@
         </p:blipFill>
         <p:spPr>
           <a:xfrm>
-            <a:off x="7321684" y="856443"/>
+            <a:off x="7320292" y="44624"/>
             <a:ext cx="1823708" cy="1728192"/>
           </a:xfrm>
           <a:prstGeom prst="rect">
@@ -4625,8 +4619,8 @@
         </p:nvSpPr>
         <p:spPr>
           <a:xfrm>
-            <a:off x="242218" y="992288"/>
-            <a:ext cx="8558882" cy="553998"/>
+            <a:off x="242218" y="188640"/>
+            <a:ext cx="7138094" cy="553998"/>
           </a:xfrm>
           <a:prstGeom prst="rect">
             <a:avLst/>
@@ -4639,6 +4633,7 @@
           </a:bodyPr>
           <a:lstStyle/>
           <a:p>
+            <a:pPr algn="l"/>
             <a:r>
               <a:rPr lang="en-US" sz="3000" b="1" dirty="0">
                 <a:solidFill>
@@ -4647,11 +4642,6 @@
               </a:rPr>
               <a:t>Image Processing Algorithm – Color Ranges</a:t>
             </a:r>
-            <a:endParaRPr lang="en-US" sz="3000" b="1" dirty="0">
-              <a:solidFill>
-                <a:srgbClr val="002060"/>
-              </a:solidFill>
-            </a:endParaRPr>
           </a:p>
         </p:txBody>
       </p:sp>
@@ -4887,6 +4877,7 @@
           </a:bodyPr>
           <a:lstStyle/>
           <a:p>
+            <a:pPr algn="l"/>
             <a:r>
               <a:rPr lang="en-US" sz="1500" b="1" dirty="0">
                 <a:solidFill>
@@ -4897,6 +4888,7 @@
             </a:r>
           </a:p>
           <a:p>
+            <a:pPr algn="l"/>
             <a:endParaRPr lang="en-US" sz="1500" b="1" dirty="0">
               <a:solidFill>
                 <a:srgbClr val="0070C0"/>
@@ -4904,6 +4896,7 @@
             </a:endParaRPr>
           </a:p>
           <a:p>
+            <a:pPr algn="l"/>
             <a:r>
               <a:rPr lang="en-US" sz="1500" b="1" dirty="0">
                 <a:solidFill>
@@ -4912,11 +4905,6 @@
               </a:rPr>
               <a:t>Requires to expand Red and Green Color Ranges to search in the image</a:t>
             </a:r>
-            <a:endParaRPr lang="en-US" sz="1500" b="1" dirty="0">
-              <a:solidFill>
-                <a:srgbClr val="0070C0"/>
-              </a:solidFill>
-            </a:endParaRPr>
           </a:p>
         </p:txBody>
       </p:sp>
@@ -4972,6 +4960,7 @@
           </a:bodyPr>
           <a:lstStyle/>
           <a:p>
+            <a:pPr algn="l"/>
             <a:r>
               <a:rPr lang="en-US" sz="1500" b="1" dirty="0">
                 <a:solidFill>
@@ -4982,6 +4971,7 @@
             </a:r>
           </a:p>
           <a:p>
+            <a:pPr algn="l"/>
             <a:r>
               <a:rPr lang="en-US" sz="1500" b="1" dirty="0">
                 <a:solidFill>
@@ -4992,7 +4982,7 @@
             </a:r>
           </a:p>
           <a:p>
-            <a:pPr marL="257175" indent="-257175">
+            <a:pPr marL="257175" indent="-257175" algn="l">
               <a:buFont typeface="Arial" panose="020B0604020202020204" pitchFamily="34" charset="0"/>
               <a:buChar char="•"/>
             </a:pPr>
@@ -5003,6 +4993,7 @@
             </a:endParaRPr>
           </a:p>
           <a:p>
+            <a:pPr algn="l"/>
             <a:endParaRPr lang="en-US" sz="1500" b="1" dirty="0">
               <a:solidFill>
                 <a:srgbClr val="0070C0"/>
@@ -5057,7 +5048,7 @@
         </p:blipFill>
         <p:spPr>
           <a:xfrm>
-            <a:off x="7321684" y="856443"/>
+            <a:off x="7321684" y="44624"/>
             <a:ext cx="1823708" cy="1728192"/>
           </a:xfrm>
           <a:prstGeom prst="rect">

--- a/AnalyzerDemo/real life demo/Weekathon Presentation Template - blindphone.pptx
+++ b/AnalyzerDemo/real life demo/Weekathon Presentation Template - blindphone.pptx
@@ -10,7 +10,7 @@
   <p:sldIdLst>
     <p:sldId id="256" r:id="rId2"/>
     <p:sldId id="272" r:id="rId3"/>
-    <p:sldId id="273" r:id="rId4"/>
+    <p:sldId id="277" r:id="rId4"/>
     <p:sldId id="274" r:id="rId5"/>
     <p:sldId id="275" r:id="rId6"/>
     <p:sldId id="276" r:id="rId7"/>
@@ -3799,7 +3799,7 @@
         </p:nvSpPr>
         <p:spPr>
           <a:xfrm>
-            <a:off x="395536" y="2204864"/>
+            <a:off x="395536" y="2141984"/>
             <a:ext cx="8229600" cy="1143000"/>
           </a:xfrm>
         </p:spPr>
@@ -3837,7 +3837,7 @@
         </p:nvSpPr>
         <p:spPr>
           <a:xfrm>
-            <a:off x="539552" y="3501008"/>
+            <a:off x="539552" y="3284984"/>
             <a:ext cx="8229600" cy="1540768"/>
           </a:xfrm>
         </p:spPr>
@@ -3856,7 +3856,7 @@
       </p:sp>
       <p:pic>
         <p:nvPicPr>
-          <p:cNvPr id="7" name="Picture 6" descr="strip_new.jpg"/>
+          <p:cNvPr id="5" name="Picture 4" descr="weekathon forum-01.jpg"/>
           <p:cNvPicPr>
             <a:picLocks noChangeAspect="1"/>
           </p:cNvPicPr>
@@ -3870,38 +3870,333 @@
         </p:blipFill>
         <p:spPr>
           <a:xfrm>
-            <a:off x="-1" y="5373216"/>
-            <a:ext cx="9098521" cy="1276728"/>
+            <a:off x="3275856" y="0"/>
+            <a:ext cx="2431611" cy="2304256"/>
           </a:xfrm>
           <a:prstGeom prst="rect">
             <a:avLst/>
           </a:prstGeom>
         </p:spPr>
       </p:pic>
-      <p:pic>
-        <p:nvPicPr>
-          <p:cNvPr id="5" name="Picture 4" descr="weekathon forum-01.jpg"/>
-          <p:cNvPicPr>
-            <a:picLocks noChangeAspect="1"/>
-          </p:cNvPicPr>
+      <p:sp>
+        <p:nvSpPr>
+          <p:cNvPr id="2" name="Rounded Rectangle 1"/>
+          <p:cNvSpPr/>
           <p:nvPr/>
-        </p:nvPicPr>
-        <p:blipFill>
-          <a:blip r:embed="rId4" cstate="print"/>
-          <a:stretch>
-            <a:fillRect/>
-          </a:stretch>
-        </p:blipFill>
-        <p:spPr>
-          <a:xfrm>
-            <a:off x="3275856" y="0"/>
-            <a:ext cx="2431611" cy="2304256"/>
-          </a:xfrm>
-          <a:prstGeom prst="rect">
+        </p:nvSpPr>
+        <p:spPr>
+          <a:xfrm>
+            <a:off x="539552" y="5085184"/>
+            <a:ext cx="1872208" cy="763488"/>
+          </a:xfrm>
+          <a:prstGeom prst="roundRect">
             <a:avLst/>
           </a:prstGeom>
-        </p:spPr>
-      </p:pic>
+          <a:solidFill>
+            <a:schemeClr val="bg1"/>
+          </a:solidFill>
+        </p:spPr>
+        <p:style>
+          <a:lnRef idx="2">
+            <a:schemeClr val="accent1">
+              <a:shade val="50000"/>
+            </a:schemeClr>
+          </a:lnRef>
+          <a:fillRef idx="1">
+            <a:schemeClr val="accent1"/>
+          </a:fillRef>
+          <a:effectRef idx="0">
+            <a:schemeClr val="accent1"/>
+          </a:effectRef>
+          <a:fontRef idx="minor">
+            <a:schemeClr val="lt1"/>
+          </a:fontRef>
+        </p:style>
+        <p:txBody>
+          <a:bodyPr rtlCol="0" anchor="ctr"/>
+          <a:lstStyle/>
+          <a:p>
+            <a:pPr algn="ctr"/>
+            <a:r>
+              <a:rPr lang="en-US" dirty="0" err="1" smtClean="0">
+                <a:solidFill>
+                  <a:schemeClr val="tx1"/>
+                </a:solidFill>
+              </a:rPr>
+              <a:t>Shai</a:t>
+            </a:r>
+            <a:r>
+              <a:rPr lang="en-US" dirty="0" smtClean="0">
+                <a:solidFill>
+                  <a:schemeClr val="tx1"/>
+                </a:solidFill>
+              </a:rPr>
+              <a:t> Rubin</a:t>
+            </a:r>
+          </a:p>
+          <a:p>
+            <a:pPr algn="ctr"/>
+            <a:r>
+              <a:rPr lang="en-US" sz="1600" dirty="0" smtClean="0">
+                <a:solidFill>
+                  <a:schemeClr val="tx1"/>
+                </a:solidFill>
+              </a:rPr>
+              <a:t>Citi Innovation Lab</a:t>
+            </a:r>
+            <a:endParaRPr lang="en-US" sz="1600" dirty="0">
+              <a:solidFill>
+                <a:schemeClr val="tx1"/>
+              </a:solidFill>
+            </a:endParaRPr>
+          </a:p>
+        </p:txBody>
+      </p:sp>
+      <p:sp>
+        <p:nvSpPr>
+          <p:cNvPr id="8" name="Rounded Rectangle 7"/>
+          <p:cNvSpPr/>
+          <p:nvPr/>
+        </p:nvSpPr>
+        <p:spPr>
+          <a:xfrm>
+            <a:off x="2627784" y="5085184"/>
+            <a:ext cx="1872208" cy="763488"/>
+          </a:xfrm>
+          <a:prstGeom prst="roundRect">
+            <a:avLst/>
+          </a:prstGeom>
+          <a:solidFill>
+            <a:schemeClr val="bg1"/>
+          </a:solidFill>
+        </p:spPr>
+        <p:style>
+          <a:lnRef idx="2">
+            <a:schemeClr val="accent1">
+              <a:shade val="50000"/>
+            </a:schemeClr>
+          </a:lnRef>
+          <a:fillRef idx="1">
+            <a:schemeClr val="accent1"/>
+          </a:fillRef>
+          <a:effectRef idx="0">
+            <a:schemeClr val="accent1"/>
+          </a:effectRef>
+          <a:fontRef idx="minor">
+            <a:schemeClr val="lt1"/>
+          </a:fontRef>
+        </p:style>
+        <p:txBody>
+          <a:bodyPr rtlCol="0" anchor="ctr"/>
+          <a:lstStyle/>
+          <a:p>
+            <a:pPr algn="ctr"/>
+            <a:r>
+              <a:rPr lang="en-US" dirty="0" err="1" smtClean="0">
+                <a:solidFill>
+                  <a:schemeClr val="tx1"/>
+                </a:solidFill>
+              </a:rPr>
+              <a:t>Kfir</a:t>
+            </a:r>
+            <a:r>
+              <a:rPr lang="en-US" dirty="0" smtClean="0">
+                <a:solidFill>
+                  <a:schemeClr val="tx1"/>
+                </a:solidFill>
+              </a:rPr>
+              <a:t> </a:t>
+            </a:r>
+            <a:r>
+              <a:rPr lang="en-US" dirty="0" err="1" smtClean="0">
+                <a:solidFill>
+                  <a:schemeClr val="tx1"/>
+                </a:solidFill>
+              </a:rPr>
+              <a:t>Tishbi</a:t>
+            </a:r>
+            <a:endParaRPr lang="en-US" dirty="0" smtClean="0">
+              <a:solidFill>
+                <a:schemeClr val="tx1"/>
+              </a:solidFill>
+            </a:endParaRPr>
+          </a:p>
+          <a:p>
+            <a:pPr algn="ctr"/>
+            <a:r>
+              <a:rPr lang="en-US" sz="1600" dirty="0" smtClean="0">
+                <a:solidFill>
+                  <a:schemeClr val="tx1"/>
+                </a:solidFill>
+              </a:rPr>
+              <a:t>Citi Innovation Lab</a:t>
+            </a:r>
+            <a:endParaRPr lang="en-US" sz="1600" dirty="0">
+              <a:solidFill>
+                <a:schemeClr val="tx1"/>
+              </a:solidFill>
+            </a:endParaRPr>
+          </a:p>
+        </p:txBody>
+      </p:sp>
+      <p:sp>
+        <p:nvSpPr>
+          <p:cNvPr id="10" name="Rounded Rectangle 9"/>
+          <p:cNvSpPr/>
+          <p:nvPr/>
+        </p:nvSpPr>
+        <p:spPr>
+          <a:xfrm>
+            <a:off x="4788024" y="5085184"/>
+            <a:ext cx="1872208" cy="763488"/>
+          </a:xfrm>
+          <a:prstGeom prst="roundRect">
+            <a:avLst/>
+          </a:prstGeom>
+          <a:solidFill>
+            <a:schemeClr val="bg1"/>
+          </a:solidFill>
+        </p:spPr>
+        <p:style>
+          <a:lnRef idx="2">
+            <a:schemeClr val="accent1">
+              <a:shade val="50000"/>
+            </a:schemeClr>
+          </a:lnRef>
+          <a:fillRef idx="1">
+            <a:schemeClr val="accent1"/>
+          </a:fillRef>
+          <a:effectRef idx="0">
+            <a:schemeClr val="accent1"/>
+          </a:effectRef>
+          <a:fontRef idx="minor">
+            <a:schemeClr val="lt1"/>
+          </a:fontRef>
+        </p:style>
+        <p:txBody>
+          <a:bodyPr rtlCol="0" anchor="ctr"/>
+          <a:lstStyle/>
+          <a:p>
+            <a:pPr algn="ctr"/>
+            <a:r>
+              <a:rPr lang="en-US" dirty="0" smtClean="0">
+                <a:solidFill>
+                  <a:schemeClr val="tx1"/>
+                </a:solidFill>
+              </a:rPr>
+              <a:t>Adi </a:t>
+            </a:r>
+            <a:r>
+              <a:rPr lang="en-US" dirty="0" err="1" smtClean="0">
+                <a:solidFill>
+                  <a:schemeClr val="tx1"/>
+                </a:solidFill>
+              </a:rPr>
+              <a:t>Eldar</a:t>
+            </a:r>
+            <a:endParaRPr lang="en-US" dirty="0">
+              <a:solidFill>
+                <a:schemeClr val="tx1"/>
+              </a:solidFill>
+            </a:endParaRPr>
+          </a:p>
+          <a:p>
+            <a:pPr algn="ctr"/>
+            <a:r>
+              <a:rPr lang="en-US" sz="1600" dirty="0" smtClean="0">
+                <a:solidFill>
+                  <a:schemeClr val="tx1"/>
+                </a:solidFill>
+              </a:rPr>
+              <a:t>Microsoft ILDC</a:t>
+            </a:r>
+            <a:endParaRPr lang="en-US" sz="1600" dirty="0">
+              <a:solidFill>
+                <a:schemeClr val="tx1"/>
+              </a:solidFill>
+            </a:endParaRPr>
+          </a:p>
+        </p:txBody>
+      </p:sp>
+      <p:sp>
+        <p:nvSpPr>
+          <p:cNvPr id="11" name="Rounded Rectangle 10"/>
+          <p:cNvSpPr/>
+          <p:nvPr/>
+        </p:nvSpPr>
+        <p:spPr>
+          <a:xfrm>
+            <a:off x="6876256" y="5085184"/>
+            <a:ext cx="1872208" cy="763488"/>
+          </a:xfrm>
+          <a:prstGeom prst="roundRect">
+            <a:avLst/>
+          </a:prstGeom>
+          <a:solidFill>
+            <a:schemeClr val="bg1"/>
+          </a:solidFill>
+        </p:spPr>
+        <p:style>
+          <a:lnRef idx="2">
+            <a:schemeClr val="accent1">
+              <a:shade val="50000"/>
+            </a:schemeClr>
+          </a:lnRef>
+          <a:fillRef idx="1">
+            <a:schemeClr val="accent1"/>
+          </a:fillRef>
+          <a:effectRef idx="0">
+            <a:schemeClr val="accent1"/>
+          </a:effectRef>
+          <a:fontRef idx="minor">
+            <a:schemeClr val="lt1"/>
+          </a:fontRef>
+        </p:style>
+        <p:txBody>
+          <a:bodyPr rtlCol="0" anchor="ctr"/>
+          <a:lstStyle/>
+          <a:p>
+            <a:pPr algn="ctr"/>
+            <a:r>
+              <a:rPr lang="en-US" dirty="0" smtClean="0">
+                <a:solidFill>
+                  <a:schemeClr val="tx1"/>
+                </a:solidFill>
+              </a:rPr>
+              <a:t>Igor </a:t>
+            </a:r>
+            <a:r>
+              <a:rPr lang="en-US" dirty="0" err="1" smtClean="0">
+                <a:solidFill>
+                  <a:schemeClr val="tx1"/>
+                </a:solidFill>
+              </a:rPr>
+              <a:t>Lyakas</a:t>
+            </a:r>
+            <a:endParaRPr lang="en-US" dirty="0">
+              <a:solidFill>
+                <a:schemeClr val="tx1"/>
+              </a:solidFill>
+            </a:endParaRPr>
+          </a:p>
+          <a:p>
+            <a:pPr algn="ctr"/>
+            <a:r>
+              <a:rPr lang="en-US" sz="1600" dirty="0" smtClean="0">
+                <a:solidFill>
+                  <a:schemeClr val="tx1"/>
+                </a:solidFill>
+              </a:rPr>
+              <a:t>GE HealthCare</a:t>
+            </a:r>
+            <a:endParaRPr lang="en-US" sz="1600" dirty="0">
+              <a:solidFill>
+                <a:schemeClr val="tx1"/>
+              </a:solidFill>
+            </a:endParaRPr>
+          </a:p>
+        </p:txBody>
+      </p:sp>
     </p:spTree>
   </p:cSld>
   <p:clrMapOvr>
@@ -3936,12 +4231,75 @@
       </p:grpSpPr>
       <p:sp>
         <p:nvSpPr>
-          <p:cNvPr id="2" name="Title 1"/>
-          <p:cNvSpPr>
-            <a:spLocks noGrp="1"/>
-          </p:cNvSpPr>
-          <p:nvPr>
-            <p:ph type="title"/>
+          <p:cNvPr id="19" name="TextBox 18"/>
+          <p:cNvSpPr txBox="1"/>
+          <p:nvPr/>
+        </p:nvSpPr>
+        <p:spPr>
+          <a:xfrm>
+            <a:off x="242218" y="188640"/>
+            <a:ext cx="6994078" cy="553998"/>
+          </a:xfrm>
+          <a:prstGeom prst="rect">
+            <a:avLst/>
+          </a:prstGeom>
+          <a:noFill/>
+        </p:spPr>
+        <p:txBody>
+          <a:bodyPr wrap="square" rtlCol="0">
+            <a:spAutoFit/>
+          </a:bodyPr>
+          <a:lstStyle/>
+          <a:p>
+            <a:pPr algn="l"/>
+            <a:r>
+              <a:rPr lang="en-US" sz="3000" b="1" dirty="0" smtClean="0">
+                <a:solidFill>
+                  <a:srgbClr val="002060"/>
+                </a:solidFill>
+              </a:rPr>
+              <a:t>Blind Phone – Background </a:t>
+            </a:r>
+            <a:endParaRPr lang="en-US" sz="3000" b="1" dirty="0">
+              <a:solidFill>
+                <a:srgbClr val="002060"/>
+              </a:solidFill>
+            </a:endParaRPr>
+          </a:p>
+        </p:txBody>
+      </p:sp>
+      <p:pic>
+        <p:nvPicPr>
+          <p:cNvPr id="20" name="Picture 19" descr="weekathon forum-01.jpg"/>
+          <p:cNvPicPr>
+            <a:picLocks noChangeAspect="1"/>
+          </p:cNvPicPr>
+          <p:nvPr/>
+        </p:nvPicPr>
+        <p:blipFill>
+          <a:blip r:embed="rId2" cstate="print"/>
+          <a:stretch>
+            <a:fillRect/>
+          </a:stretch>
+        </p:blipFill>
+        <p:spPr>
+          <a:xfrm>
+            <a:off x="7320292" y="44624"/>
+            <a:ext cx="1823708" cy="1728192"/>
+          </a:xfrm>
+          <a:prstGeom prst="rect">
+            <a:avLst/>
+          </a:prstGeom>
+        </p:spPr>
+      </p:pic>
+      <p:sp>
+        <p:nvSpPr>
+          <p:cNvPr id="3" name="Content Placeholder 2"/>
+          <p:cNvSpPr>
+            <a:spLocks noGrp="1"/>
+          </p:cNvSpPr>
+          <p:nvPr>
+            <p:ph idx="1"/>
           </p:nvPr>
         </p:nvSpPr>
         <p:spPr/>
@@ -3949,41 +4307,51 @@
           <a:bodyPr/>
           <a:lstStyle/>
           <a:p>
+            <a:pPr algn="l" rtl="0"/>
+            <a:r>
+              <a:rPr lang="en-US" dirty="0"/>
+              <a:t>We were looking for </a:t>
+            </a:r>
+          </a:p>
+          <a:p>
+            <a:pPr lvl="1" algn="l" rtl="0"/>
+            <a:r>
+              <a:rPr lang="en-US" dirty="0"/>
+              <a:t>Social purpose </a:t>
+            </a:r>
+          </a:p>
+          <a:p>
+            <a:pPr lvl="1" algn="l" rtl="0"/>
+            <a:r>
+              <a:rPr lang="en-US" dirty="0"/>
+              <a:t>Image processing </a:t>
+            </a:r>
+          </a:p>
+          <a:p>
+            <a:pPr lvl="1" algn="l" rtl="0"/>
+            <a:r>
+              <a:rPr lang="en-US" dirty="0"/>
+              <a:t>Mobile application </a:t>
+            </a:r>
+          </a:p>
+          <a:p>
+            <a:pPr algn="l" rtl="0"/>
+            <a:r>
+              <a:rPr lang="en-US" dirty="0"/>
+              <a:t>Idea: Use everyday device to help the blind. Challenge: crossing </a:t>
+            </a:r>
             <a:r>
               <a:rPr lang="en-US" dirty="0" smtClean="0"/>
-              <a:t>Blind Phone - </a:t>
-            </a:r>
-            <a:r>
-              <a:rPr lang="en-US" dirty="0" err="1" smtClean="0"/>
-              <a:t>BackGround</a:t>
+              <a:t>a road without guiding dog without voice assistance   </a:t>
             </a:r>
             <a:endParaRPr lang="en-US" dirty="0"/>
-          </a:p>
-        </p:txBody>
-      </p:sp>
-      <p:sp>
-        <p:nvSpPr>
-          <p:cNvPr id="3" name="Content Placeholder 2"/>
-          <p:cNvSpPr>
-            <a:spLocks noGrp="1"/>
-          </p:cNvSpPr>
-          <p:nvPr>
-            <p:ph idx="1"/>
-          </p:nvPr>
-        </p:nvSpPr>
-        <p:spPr/>
-        <p:txBody>
-          <a:bodyPr/>
-          <a:lstStyle/>
-          <a:p>
-            <a:endParaRPr lang="en-US"/>
           </a:p>
         </p:txBody>
       </p:sp>
     </p:spTree>
     <p:extLst>
       <p:ext uri="{BB962C8B-B14F-4D97-AF65-F5344CB8AC3E}">
-        <p14:creationId xmlns:p14="http://schemas.microsoft.com/office/powerpoint/2010/main" val="579607995"/>
+        <p14:creationId xmlns:p14="http://schemas.microsoft.com/office/powerpoint/2010/main" val="3968929336"/>
       </p:ext>
     </p:extLst>
   </p:cSld>
@@ -4055,14 +4423,9 @@
           <a:bodyPr/>
           <a:lstStyle/>
           <a:p>
-            <a:r>
-              <a:rPr lang="en-US" smtClean="0"/>
-              <a:t>Put movie </a:t>
-            </a:r>
-            <a:r>
-              <a:rPr lang="en-US" dirty="0" smtClean="0"/>
-              <a:t>here</a:t>
-            </a:r>
+            <a:pPr marL="0" indent="0" algn="l" rtl="0">
+              <a:buNone/>
+            </a:pPr>
             <a:endParaRPr lang="en-US" dirty="0"/>
           </a:p>
         </p:txBody>
